--- a/2025_Spring/2025_08_14 meeting report.pptx
+++ b/2025_Spring/2025_08_14 meeting report.pptx
@@ -213,7 +213,7 @@
           <a:p>
             <a:fld id="{649F744C-C3D7-4081-9DFA-6B95CD506B5A}" type="datetimeFigureOut">
               <a:rPr lang="zh-TW" altLang="en-US" smtClean="0"/>
-              <a:t>2025/8/14</a:t>
+              <a:t>2026/1/16</a:t>
             </a:fld>
             <a:endParaRPr lang="zh-TW" altLang="en-US"/>
           </a:p>
@@ -5271,7 +5271,7 @@
           <a:p>
             <a:fld id="{8FF1AD12-7FAA-48A7-8895-AFE8BEBD0190}" type="datetimeFigureOut">
               <a:rPr lang="zh-TW" altLang="en-US" smtClean="0"/>
-              <a:t>2025/8/14</a:t>
+              <a:t>2026/1/16</a:t>
             </a:fld>
             <a:endParaRPr lang="zh-TW" altLang="en-US"/>
           </a:p>
@@ -5469,7 +5469,7 @@
           <a:p>
             <a:fld id="{8FF1AD12-7FAA-48A7-8895-AFE8BEBD0190}" type="datetimeFigureOut">
               <a:rPr lang="zh-TW" altLang="en-US" smtClean="0"/>
-              <a:t>2025/8/14</a:t>
+              <a:t>2026/1/16</a:t>
             </a:fld>
             <a:endParaRPr lang="zh-TW" altLang="en-US"/>
           </a:p>
@@ -5677,7 +5677,7 @@
           <a:p>
             <a:fld id="{8FF1AD12-7FAA-48A7-8895-AFE8BEBD0190}" type="datetimeFigureOut">
               <a:rPr lang="zh-TW" altLang="en-US" smtClean="0"/>
-              <a:t>2025/8/14</a:t>
+              <a:t>2026/1/16</a:t>
             </a:fld>
             <a:endParaRPr lang="zh-TW" altLang="en-US"/>
           </a:p>
@@ -5875,7 +5875,7 @@
           <a:p>
             <a:fld id="{8FF1AD12-7FAA-48A7-8895-AFE8BEBD0190}" type="datetimeFigureOut">
               <a:rPr lang="zh-TW" altLang="en-US" smtClean="0"/>
-              <a:t>2025/8/14</a:t>
+              <a:t>2026/1/16</a:t>
             </a:fld>
             <a:endParaRPr lang="zh-TW" altLang="en-US"/>
           </a:p>
@@ -6150,7 +6150,7 @@
           <a:p>
             <a:fld id="{8FF1AD12-7FAA-48A7-8895-AFE8BEBD0190}" type="datetimeFigureOut">
               <a:rPr lang="zh-TW" altLang="en-US" smtClean="0"/>
-              <a:t>2025/8/14</a:t>
+              <a:t>2026/1/16</a:t>
             </a:fld>
             <a:endParaRPr lang="zh-TW" altLang="en-US"/>
           </a:p>
@@ -6415,7 +6415,7 @@
           <a:p>
             <a:fld id="{8FF1AD12-7FAA-48A7-8895-AFE8BEBD0190}" type="datetimeFigureOut">
               <a:rPr lang="zh-TW" altLang="en-US" smtClean="0"/>
-              <a:t>2025/8/14</a:t>
+              <a:t>2026/1/16</a:t>
             </a:fld>
             <a:endParaRPr lang="zh-TW" altLang="en-US"/>
           </a:p>
@@ -6827,7 +6827,7 @@
           <a:p>
             <a:fld id="{8FF1AD12-7FAA-48A7-8895-AFE8BEBD0190}" type="datetimeFigureOut">
               <a:rPr lang="zh-TW" altLang="en-US" smtClean="0"/>
-              <a:t>2025/8/14</a:t>
+              <a:t>2026/1/16</a:t>
             </a:fld>
             <a:endParaRPr lang="zh-TW" altLang="en-US"/>
           </a:p>
@@ -6968,7 +6968,7 @@
           <a:p>
             <a:fld id="{8FF1AD12-7FAA-48A7-8895-AFE8BEBD0190}" type="datetimeFigureOut">
               <a:rPr lang="zh-TW" altLang="en-US" smtClean="0"/>
-              <a:t>2025/8/14</a:t>
+              <a:t>2026/1/16</a:t>
             </a:fld>
             <a:endParaRPr lang="zh-TW" altLang="en-US"/>
           </a:p>
@@ -7081,7 +7081,7 @@
           <a:p>
             <a:fld id="{8FF1AD12-7FAA-48A7-8895-AFE8BEBD0190}" type="datetimeFigureOut">
               <a:rPr lang="zh-TW" altLang="en-US" smtClean="0"/>
-              <a:t>2025/8/14</a:t>
+              <a:t>2026/1/16</a:t>
             </a:fld>
             <a:endParaRPr lang="zh-TW" altLang="en-US"/>
           </a:p>
@@ -7392,7 +7392,7 @@
           <a:p>
             <a:fld id="{8FF1AD12-7FAA-48A7-8895-AFE8BEBD0190}" type="datetimeFigureOut">
               <a:rPr lang="zh-TW" altLang="en-US" smtClean="0"/>
-              <a:t>2025/8/14</a:t>
+              <a:t>2026/1/16</a:t>
             </a:fld>
             <a:endParaRPr lang="zh-TW" altLang="en-US"/>
           </a:p>
@@ -7680,7 +7680,7 @@
           <a:p>
             <a:fld id="{8FF1AD12-7FAA-48A7-8895-AFE8BEBD0190}" type="datetimeFigureOut">
               <a:rPr lang="zh-TW" altLang="en-US" smtClean="0"/>
-              <a:t>2025/8/14</a:t>
+              <a:t>2026/1/16</a:t>
             </a:fld>
             <a:endParaRPr lang="zh-TW" altLang="en-US"/>
           </a:p>
@@ -7921,7 +7921,7 @@
           <a:p>
             <a:fld id="{8FF1AD12-7FAA-48A7-8895-AFE8BEBD0190}" type="datetimeFigureOut">
               <a:rPr lang="zh-TW" altLang="en-US" smtClean="0"/>
-              <a:t>2025/8/14</a:t>
+              <a:t>2026/1/16</a:t>
             </a:fld>
             <a:endParaRPr lang="zh-TW" altLang="en-US"/>
           </a:p>
@@ -8752,7 +8752,7 @@
           <a:graphicData uri="http://schemas.openxmlformats.org/presentationml/2006/ole">
             <mc:AlternateContent xmlns:mc="http://schemas.openxmlformats.org/markup-compatibility/2006">
               <mc:Choice xmlns:v="urn:schemas-microsoft-com:vml" Requires="v">
-                <p:oleObj spid="_x0000_s3082" name="Worksheet" r:id="rId4" imgW="4524262" imgH="1895547" progId="Excel.Sheet.12">
+                <p:oleObj spid="_x0000_s3083" name="Worksheet" r:id="rId4" imgW="4524262" imgH="1895547" progId="Excel.Sheet.12">
                   <p:embed/>
                 </p:oleObj>
               </mc:Choice>
@@ -9199,7 +9199,7 @@
           <a:graphicData uri="http://schemas.openxmlformats.org/presentationml/2006/ole">
             <mc:AlternateContent xmlns:mc="http://schemas.openxmlformats.org/markup-compatibility/2006">
               <mc:Choice xmlns:v="urn:schemas-microsoft-com:vml" Requires="v">
-                <p:oleObj spid="_x0000_s4106" name="Worksheet" r:id="rId4" imgW="4524262" imgH="1895547" progId="Excel.Sheet.12">
+                <p:oleObj spid="_x0000_s4107" name="Worksheet" r:id="rId4" imgW="4524262" imgH="1895547" progId="Excel.Sheet.12">
                   <p:embed/>
                 </p:oleObj>
               </mc:Choice>
@@ -9646,7 +9646,7 @@
           <a:graphicData uri="http://schemas.openxmlformats.org/presentationml/2006/ole">
             <mc:AlternateContent xmlns:mc="http://schemas.openxmlformats.org/markup-compatibility/2006">
               <mc:Choice xmlns:v="urn:schemas-microsoft-com:vml" Requires="v">
-                <p:oleObj spid="_x0000_s5130" name="Worksheet" r:id="rId4" imgW="4524262" imgH="1895547" progId="Excel.Sheet.12">
+                <p:oleObj spid="_x0000_s5131" name="Worksheet" r:id="rId4" imgW="4524262" imgH="1895547" progId="Excel.Sheet.12">
                   <p:embed/>
                 </p:oleObj>
               </mc:Choice>
@@ -10093,7 +10093,7 @@
           <a:graphicData uri="http://schemas.openxmlformats.org/presentationml/2006/ole">
             <mc:AlternateContent xmlns:mc="http://schemas.openxmlformats.org/markup-compatibility/2006">
               <mc:Choice xmlns:v="urn:schemas-microsoft-com:vml" Requires="v">
-                <p:oleObj spid="_x0000_s6155" name="Worksheet" r:id="rId4" imgW="4524262" imgH="1895547" progId="Excel.Sheet.12">
+                <p:oleObj spid="_x0000_s6156" name="Worksheet" r:id="rId4" imgW="4524262" imgH="1895547" progId="Excel.Sheet.12">
                   <p:embed/>
                 </p:oleObj>
               </mc:Choice>
@@ -10540,7 +10540,7 @@
           <a:graphicData uri="http://schemas.openxmlformats.org/presentationml/2006/ole">
             <mc:AlternateContent xmlns:mc="http://schemas.openxmlformats.org/markup-compatibility/2006">
               <mc:Choice xmlns:v="urn:schemas-microsoft-com:vml" Requires="v">
-                <p:oleObj spid="_x0000_s9225" name="Worksheet" r:id="rId4" imgW="4524262" imgH="1895547" progId="Excel.Sheet.12">
+                <p:oleObj spid="_x0000_s9226" name="Worksheet" r:id="rId4" imgW="4524262" imgH="1895547" progId="Excel.Sheet.12">
                   <p:embed/>
                 </p:oleObj>
               </mc:Choice>
@@ -10987,7 +10987,7 @@
           <a:graphicData uri="http://schemas.openxmlformats.org/presentationml/2006/ole">
             <mc:AlternateContent xmlns:mc="http://schemas.openxmlformats.org/markup-compatibility/2006">
               <mc:Choice xmlns:v="urn:schemas-microsoft-com:vml" Requires="v">
-                <p:oleObj spid="_x0000_s8201" name="Worksheet" r:id="rId4" imgW="4524262" imgH="1895547" progId="Excel.Sheet.12">
+                <p:oleObj spid="_x0000_s8202" name="Worksheet" r:id="rId4" imgW="4524262" imgH="1895547" progId="Excel.Sheet.12">
                   <p:embed/>
                 </p:oleObj>
               </mc:Choice>
@@ -12953,7 +12953,7 @@
           <a:graphicData uri="http://schemas.openxmlformats.org/presentationml/2006/ole">
             <mc:AlternateContent xmlns:mc="http://schemas.openxmlformats.org/markup-compatibility/2006">
               <mc:Choice xmlns:v="urn:schemas-microsoft-com:vml" Requires="v">
-                <p:oleObj spid="_x0000_s10265" name="Worksheet" r:id="rId7" imgW="2162266" imgH="638286" progId="Excel.Sheet.12">
+                <p:oleObj spid="_x0000_s10268" name="Worksheet" r:id="rId7" imgW="2162266" imgH="638286" progId="Excel.Sheet.12">
                   <p:embed/>
                 </p:oleObj>
               </mc:Choice>
@@ -13016,7 +13016,7 @@
           <a:graphicData uri="http://schemas.openxmlformats.org/presentationml/2006/ole">
             <mc:AlternateContent xmlns:mc="http://schemas.openxmlformats.org/markup-compatibility/2006">
               <mc:Choice xmlns:v="urn:schemas-microsoft-com:vml" Requires="v">
-                <p:oleObj spid="_x0000_s10266" name="Worksheet" r:id="rId9" imgW="2162266" imgH="638286" progId="Excel.Sheet.12">
+                <p:oleObj spid="_x0000_s10269" name="Worksheet" r:id="rId9" imgW="2162266" imgH="638286" progId="Excel.Sheet.12">
                   <p:embed/>
                 </p:oleObj>
               </mc:Choice>
@@ -13079,7 +13079,7 @@
           <a:graphicData uri="http://schemas.openxmlformats.org/presentationml/2006/ole">
             <mc:AlternateContent xmlns:mc="http://schemas.openxmlformats.org/markup-compatibility/2006">
               <mc:Choice xmlns:v="urn:schemas-microsoft-com:vml" Requires="v">
-                <p:oleObj spid="_x0000_s10267" name="Worksheet" r:id="rId11" imgW="2162266" imgH="638286" progId="Excel.Sheet.12">
+                <p:oleObj spid="_x0000_s10270" name="Worksheet" r:id="rId11" imgW="2162266" imgH="638286" progId="Excel.Sheet.12">
                   <p:embed/>
                 </p:oleObj>
               </mc:Choice>
@@ -13528,7 +13528,7 @@
           <a:graphicData uri="http://schemas.openxmlformats.org/presentationml/2006/ole">
             <mc:AlternateContent xmlns:mc="http://schemas.openxmlformats.org/markup-compatibility/2006">
               <mc:Choice xmlns:v="urn:schemas-microsoft-com:vml" Requires="v">
-                <p:oleObj spid="_x0000_s11271" name="Worksheet" r:id="rId5" imgW="15916176" imgH="1266740" progId="Excel.Sheet.12">
+                <p:oleObj spid="_x0000_s11272" name="Worksheet" r:id="rId5" imgW="15916176" imgH="1266740" progId="Excel.Sheet.12">
                   <p:embed/>
                 </p:oleObj>
               </mc:Choice>
@@ -13947,7 +13947,7 @@
           <a:graphicData uri="http://schemas.openxmlformats.org/presentationml/2006/ole">
             <mc:AlternateContent xmlns:mc="http://schemas.openxmlformats.org/markup-compatibility/2006">
               <mc:Choice xmlns:v="urn:schemas-microsoft-com:vml" Requires="v">
-                <p:oleObj spid="_x0000_s12310" name="Worksheet" r:id="rId4" imgW="7553190" imgH="1895547" progId="Excel.Sheet.12">
+                <p:oleObj spid="_x0000_s12313" name="Worksheet" r:id="rId4" imgW="7553190" imgH="1895547" progId="Excel.Sheet.12">
                   <p:embed/>
                 </p:oleObj>
               </mc:Choice>
@@ -14004,7 +14004,7 @@
           <a:graphicData uri="http://schemas.openxmlformats.org/presentationml/2006/ole">
             <mc:AlternateContent xmlns:mc="http://schemas.openxmlformats.org/markup-compatibility/2006">
               <mc:Choice xmlns:v="urn:schemas-microsoft-com:vml" Requires="v">
-                <p:oleObj spid="_x0000_s12311" name="Worksheet" r:id="rId6" imgW="4524262" imgH="1895547" progId="Excel.Sheet.12">
+                <p:oleObj spid="_x0000_s12314" name="Worksheet" r:id="rId6" imgW="4524262" imgH="1895547" progId="Excel.Sheet.12">
                   <p:embed/>
                 </p:oleObj>
               </mc:Choice>
@@ -14073,7 +14073,7 @@
           <a:graphicData uri="http://schemas.openxmlformats.org/presentationml/2006/ole">
             <mc:AlternateContent xmlns:mc="http://schemas.openxmlformats.org/markup-compatibility/2006">
               <mc:Choice xmlns:v="urn:schemas-microsoft-com:vml" Requires="v">
-                <p:oleObj spid="_x0000_s12312" name="Worksheet" r:id="rId8" imgW="7553190" imgH="847888" progId="Excel.Sheet.12">
+                <p:oleObj spid="_x0000_s12315" name="Worksheet" r:id="rId8" imgW="7553190" imgH="847888" progId="Excel.Sheet.12">
                   <p:embed/>
                 </p:oleObj>
               </mc:Choice>
@@ -15737,7 +15737,7 @@
           <a:graphicData uri="http://schemas.openxmlformats.org/presentationml/2006/ole">
             <mc:AlternateContent xmlns:mc="http://schemas.openxmlformats.org/markup-compatibility/2006">
               <mc:Choice xmlns:v="urn:schemas-microsoft-com:vml" Requires="v">
-                <p:oleObj spid="_x0000_s7178" name="Worksheet" r:id="rId4" imgW="4524262" imgH="1895547" progId="Excel.Sheet.12">
+                <p:oleObj spid="_x0000_s7179" name="Worksheet" r:id="rId4" imgW="4524262" imgH="1895547" progId="Excel.Sheet.12">
                   <p:embed/>
                 </p:oleObj>
               </mc:Choice>
@@ -19460,7 +19460,7 @@
           <a:graphicData uri="http://schemas.openxmlformats.org/presentationml/2006/ole">
             <mc:AlternateContent xmlns:mc="http://schemas.openxmlformats.org/markup-compatibility/2006">
               <mc:Choice xmlns:v="urn:schemas-microsoft-com:vml" Requires="v">
-                <p:oleObj spid="_x0000_s1034" name="Worksheet" r:id="rId4" imgW="4524262" imgH="1895547" progId="Excel.Sheet.12">
+                <p:oleObj spid="_x0000_s1035" name="Worksheet" r:id="rId4" imgW="4524262" imgH="1895547" progId="Excel.Sheet.12">
                   <p:embed/>
                 </p:oleObj>
               </mc:Choice>
@@ -19949,7 +19949,7 @@
           <a:graphicData uri="http://schemas.openxmlformats.org/presentationml/2006/ole">
             <mc:AlternateContent xmlns:mc="http://schemas.openxmlformats.org/markup-compatibility/2006">
               <mc:Choice xmlns:v="urn:schemas-microsoft-com:vml" Requires="v">
-                <p:oleObj spid="_x0000_s2058" name="Worksheet" r:id="rId5" imgW="4524262" imgH="1895547" progId="Excel.Sheet.12">
+                <p:oleObj spid="_x0000_s2059" name="Worksheet" r:id="rId5" imgW="4524262" imgH="1895547" progId="Excel.Sheet.12">
                   <p:embed/>
                 </p:oleObj>
               </mc:Choice>
